--- a/Scripts/test_manual_v4_2_support_module.pptx
+++ b/Scripts/test_manual_v4_2_support_module.pptx
@@ -38563,7 +38563,7 @@
           <a:p>
             <a:fld id="{E482DFA6-6B95-4553-B7D7-11376DF2CCB4}" type="datetimeFigureOut">
               <a:rPr lang="en-GB" smtClean="0"/>
-              <a:t>09/08/2016</a:t>
+              <a:t>28/10/2016</a:t>
             </a:fld>
             <a:endParaRPr lang="en-GB"/>
           </a:p>
@@ -38779,7 +38779,7 @@
           <a:p>
             <a:fld id="{E482DFA6-6B95-4553-B7D7-11376DF2CCB4}" type="datetimeFigureOut">
               <a:rPr lang="en-GB" smtClean="0"/>
-              <a:t>09/08/2016</a:t>
+              <a:t>28/10/2016</a:t>
             </a:fld>
             <a:endParaRPr lang="en-GB"/>
           </a:p>
@@ -38959,7 +38959,7 @@
           <a:p>
             <a:fld id="{E482DFA6-6B95-4553-B7D7-11376DF2CCB4}" type="datetimeFigureOut">
               <a:rPr lang="en-GB" smtClean="0"/>
-              <a:t>09/08/2016</a:t>
+              <a:t>28/10/2016</a:t>
             </a:fld>
             <a:endParaRPr lang="en-GB"/>
           </a:p>
@@ -39129,7 +39129,7 @@
           <a:p>
             <a:fld id="{E482DFA6-6B95-4553-B7D7-11376DF2CCB4}" type="datetimeFigureOut">
               <a:rPr lang="en-GB" smtClean="0"/>
-              <a:t>09/08/2016</a:t>
+              <a:t>28/10/2016</a:t>
             </a:fld>
             <a:endParaRPr lang="en-GB"/>
           </a:p>
@@ -39375,7 +39375,7 @@
           <a:p>
             <a:fld id="{E482DFA6-6B95-4553-B7D7-11376DF2CCB4}" type="datetimeFigureOut">
               <a:rPr lang="en-GB" smtClean="0"/>
-              <a:t>09/08/2016</a:t>
+              <a:t>28/10/2016</a:t>
             </a:fld>
             <a:endParaRPr lang="en-GB"/>
           </a:p>
@@ -39607,7 +39607,7 @@
           <a:p>
             <a:fld id="{E482DFA6-6B95-4553-B7D7-11376DF2CCB4}" type="datetimeFigureOut">
               <a:rPr lang="en-GB" smtClean="0"/>
-              <a:t>09/08/2016</a:t>
+              <a:t>28/10/2016</a:t>
             </a:fld>
             <a:endParaRPr lang="en-GB"/>
           </a:p>
@@ -39974,7 +39974,7 @@
           <a:p>
             <a:fld id="{E482DFA6-6B95-4553-B7D7-11376DF2CCB4}" type="datetimeFigureOut">
               <a:rPr lang="en-GB" smtClean="0"/>
-              <a:t>09/08/2016</a:t>
+              <a:t>28/10/2016</a:t>
             </a:fld>
             <a:endParaRPr lang="en-GB"/>
           </a:p>
@@ -40092,7 +40092,7 @@
           <a:p>
             <a:fld id="{E482DFA6-6B95-4553-B7D7-11376DF2CCB4}" type="datetimeFigureOut">
               <a:rPr lang="en-GB" smtClean="0"/>
-              <a:t>09/08/2016</a:t>
+              <a:t>28/10/2016</a:t>
             </a:fld>
             <a:endParaRPr lang="en-GB"/>
           </a:p>
@@ -40187,7 +40187,7 @@
           <a:p>
             <a:fld id="{E482DFA6-6B95-4553-B7D7-11376DF2CCB4}" type="datetimeFigureOut">
               <a:rPr lang="en-GB" smtClean="0"/>
-              <a:t>09/08/2016</a:t>
+              <a:t>28/10/2016</a:t>
             </a:fld>
             <a:endParaRPr lang="en-GB"/>
           </a:p>
@@ -40464,7 +40464,7 @@
           <a:p>
             <a:fld id="{E482DFA6-6B95-4553-B7D7-11376DF2CCB4}" type="datetimeFigureOut">
               <a:rPr lang="en-GB" smtClean="0"/>
-              <a:t>09/08/2016</a:t>
+              <a:t>28/10/2016</a:t>
             </a:fld>
             <a:endParaRPr lang="en-GB"/>
           </a:p>
@@ -40717,7 +40717,7 @@
           <a:p>
             <a:fld id="{E482DFA6-6B95-4553-B7D7-11376DF2CCB4}" type="datetimeFigureOut">
               <a:rPr lang="en-GB" smtClean="0"/>
-              <a:t>09/08/2016</a:t>
+              <a:t>28/10/2016</a:t>
             </a:fld>
             <a:endParaRPr lang="en-GB"/>
           </a:p>
@@ -40930,7 +40930,7 @@
           <a:p>
             <a:fld id="{E482DFA6-6B95-4553-B7D7-11376DF2CCB4}" type="datetimeFigureOut">
               <a:rPr lang="en-GB" smtClean="0"/>
-              <a:t>09/08/2016</a:t>
+              <a:t>28/10/2016</a:t>
             </a:fld>
             <a:endParaRPr lang="en-GB"/>
           </a:p>
@@ -41808,7 +41808,7 @@
             </p:custDataLst>
             <p:extLst>
               <p:ext uri="{D42A27DB-BD31-4B8C-83A1-F6EECF244321}">
-                <p14:modId xmlns:p14="http://schemas.microsoft.com/office/powerpoint/2010/main" val="4094308209"/>
+                <p14:modId xmlns:p14="http://schemas.microsoft.com/office/powerpoint/2010/main" val="1973113351"/>
               </p:ext>
             </p:extLst>
           </p:nvPr>
@@ -42452,7 +42452,7 @@
             </p:custDataLst>
             <p:extLst>
               <p:ext uri="{D42A27DB-BD31-4B8C-83A1-F6EECF244321}">
-                <p14:modId xmlns:p14="http://schemas.microsoft.com/office/powerpoint/2010/main" val="1735919707"/>
+                <p14:modId xmlns:p14="http://schemas.microsoft.com/office/powerpoint/2010/main" val="2043886743"/>
               </p:ext>
             </p:extLst>
           </p:nvPr>
@@ -42595,7 +42595,7 @@
             </p:custDataLst>
             <p:extLst>
               <p:ext uri="{D42A27DB-BD31-4B8C-83A1-F6EECF244321}">
-                <p14:modId xmlns:p14="http://schemas.microsoft.com/office/powerpoint/2010/main" val="3196037687"/>
+                <p14:modId xmlns:p14="http://schemas.microsoft.com/office/powerpoint/2010/main" val="2041804371"/>
               </p:ext>
             </p:extLst>
           </p:nvPr>
@@ -42887,7 +42887,7 @@
             </p:custDataLst>
             <p:extLst>
               <p:ext uri="{D42A27DB-BD31-4B8C-83A1-F6EECF244321}">
-                <p14:modId xmlns:p14="http://schemas.microsoft.com/office/powerpoint/2010/main" val="3108084969"/>
+                <p14:modId xmlns:p14="http://schemas.microsoft.com/office/powerpoint/2010/main" val="1429469321"/>
               </p:ext>
             </p:extLst>
           </p:nvPr>
@@ -43360,7 +43360,7 @@
             </p:custDataLst>
             <p:extLst>
               <p:ext uri="{D42A27DB-BD31-4B8C-83A1-F6EECF244321}">
-                <p14:modId xmlns:p14="http://schemas.microsoft.com/office/powerpoint/2010/main" val="1710763946"/>
+                <p14:modId xmlns:p14="http://schemas.microsoft.com/office/powerpoint/2010/main" val="2315769642"/>
               </p:ext>
             </p:extLst>
           </p:nvPr>
@@ -43503,7 +43503,7 @@
             </p:custDataLst>
             <p:extLst>
               <p:ext uri="{D42A27DB-BD31-4B8C-83A1-F6EECF244321}">
-                <p14:modId xmlns:p14="http://schemas.microsoft.com/office/powerpoint/2010/main" val="4254623372"/>
+                <p14:modId xmlns:p14="http://schemas.microsoft.com/office/powerpoint/2010/main" val="3009029346"/>
               </p:ext>
             </p:extLst>
           </p:nvPr>
@@ -43646,7 +43646,7 @@
             </p:custDataLst>
             <p:extLst>
               <p:ext uri="{D42A27DB-BD31-4B8C-83A1-F6EECF244321}">
-                <p14:modId xmlns:p14="http://schemas.microsoft.com/office/powerpoint/2010/main" val="4018872569"/>
+                <p14:modId xmlns:p14="http://schemas.microsoft.com/office/powerpoint/2010/main" val="2008158015"/>
               </p:ext>
             </p:extLst>
           </p:nvPr>
@@ -43955,7 +43955,7 @@
             </p:custDataLst>
             <p:extLst>
               <p:ext uri="{D42A27DB-BD31-4B8C-83A1-F6EECF244321}">
-                <p14:modId xmlns:p14="http://schemas.microsoft.com/office/powerpoint/2010/main" val="197105586"/>
+                <p14:modId xmlns:p14="http://schemas.microsoft.com/office/powerpoint/2010/main" val="840905427"/>
               </p:ext>
             </p:extLst>
           </p:nvPr>
@@ -44101,7 +44101,7 @@
             </p:custDataLst>
             <p:extLst>
               <p:ext uri="{D42A27DB-BD31-4B8C-83A1-F6EECF244321}">
-                <p14:modId xmlns:p14="http://schemas.microsoft.com/office/powerpoint/2010/main" val="1278110210"/>
+                <p14:modId xmlns:p14="http://schemas.microsoft.com/office/powerpoint/2010/main" val="3083531826"/>
               </p:ext>
             </p:extLst>
           </p:nvPr>
@@ -44248,7 +44248,7 @@
             </p:custDataLst>
             <p:extLst>
               <p:ext uri="{D42A27DB-BD31-4B8C-83A1-F6EECF244321}">
-                <p14:modId xmlns:p14="http://schemas.microsoft.com/office/powerpoint/2010/main" val="4123070521"/>
+                <p14:modId xmlns:p14="http://schemas.microsoft.com/office/powerpoint/2010/main" val="19124435"/>
               </p:ext>
             </p:extLst>
           </p:nvPr>
@@ -44391,7 +44391,7 @@
             </p:custDataLst>
             <p:extLst>
               <p:ext uri="{D42A27DB-BD31-4B8C-83A1-F6EECF244321}">
-                <p14:modId xmlns:p14="http://schemas.microsoft.com/office/powerpoint/2010/main" val="581200457"/>
+                <p14:modId xmlns:p14="http://schemas.microsoft.com/office/powerpoint/2010/main" val="3849361117"/>
               </p:ext>
             </p:extLst>
           </p:nvPr>
@@ -45472,7 +45472,7 @@
             </p:custDataLst>
             <p:extLst>
               <p:ext uri="{D42A27DB-BD31-4B8C-83A1-F6EECF244321}">
-                <p14:modId xmlns:p14="http://schemas.microsoft.com/office/powerpoint/2010/main" val="684637597"/>
+                <p14:modId xmlns:p14="http://schemas.microsoft.com/office/powerpoint/2010/main" val="3519319418"/>
               </p:ext>
             </p:extLst>
           </p:nvPr>
@@ -45642,7 +45642,7 @@
             </p:custDataLst>
             <p:extLst>
               <p:ext uri="{D42A27DB-BD31-4B8C-83A1-F6EECF244321}">
-                <p14:modId xmlns:p14="http://schemas.microsoft.com/office/powerpoint/2010/main" val="3752557770"/>
+                <p14:modId xmlns:p14="http://schemas.microsoft.com/office/powerpoint/2010/main" val="54162844"/>
               </p:ext>
             </p:extLst>
           </p:nvPr>
@@ -45796,7 +45796,7 @@
             </p:custDataLst>
             <p:extLst>
               <p:ext uri="{D42A27DB-BD31-4B8C-83A1-F6EECF244321}">
-                <p14:modId xmlns:p14="http://schemas.microsoft.com/office/powerpoint/2010/main" val="804693162"/>
+                <p14:modId xmlns:p14="http://schemas.microsoft.com/office/powerpoint/2010/main" val="1947641231"/>
               </p:ext>
             </p:extLst>
           </p:nvPr>
@@ -47975,7 +47975,7 @@
             </p:custDataLst>
             <p:extLst>
               <p:ext uri="{D42A27DB-BD31-4B8C-83A1-F6EECF244321}">
-                <p14:modId xmlns:p14="http://schemas.microsoft.com/office/powerpoint/2010/main" val="441120037"/>
+                <p14:modId xmlns:p14="http://schemas.microsoft.com/office/powerpoint/2010/main" val="3975624584"/>
               </p:ext>
             </p:extLst>
           </p:nvPr>
@@ -48119,7 +48119,7 @@
             </p:custDataLst>
             <p:extLst>
               <p:ext uri="{D42A27DB-BD31-4B8C-83A1-F6EECF244321}">
-                <p14:modId xmlns:p14="http://schemas.microsoft.com/office/powerpoint/2010/main" val="219924965"/>
+                <p14:modId xmlns:p14="http://schemas.microsoft.com/office/powerpoint/2010/main" val="3897926281"/>
               </p:ext>
             </p:extLst>
           </p:nvPr>
@@ -48263,7 +48263,7 @@
             </p:custDataLst>
             <p:extLst>
               <p:ext uri="{D42A27DB-BD31-4B8C-83A1-F6EECF244321}">
-                <p14:modId xmlns:p14="http://schemas.microsoft.com/office/powerpoint/2010/main" val="2924112877"/>
+                <p14:modId xmlns:p14="http://schemas.microsoft.com/office/powerpoint/2010/main" val="3165863198"/>
               </p:ext>
             </p:extLst>
           </p:nvPr>
@@ -48406,7 +48406,7 @@
             </p:custDataLst>
             <p:extLst>
               <p:ext uri="{D42A27DB-BD31-4B8C-83A1-F6EECF244321}">
-                <p14:modId xmlns:p14="http://schemas.microsoft.com/office/powerpoint/2010/main" val="1127426095"/>
+                <p14:modId xmlns:p14="http://schemas.microsoft.com/office/powerpoint/2010/main" val="1370726515"/>
               </p:ext>
             </p:extLst>
           </p:nvPr>
@@ -48549,7 +48549,7 @@
             </p:custDataLst>
             <p:extLst>
               <p:ext uri="{D42A27DB-BD31-4B8C-83A1-F6EECF244321}">
-                <p14:modId xmlns:p14="http://schemas.microsoft.com/office/powerpoint/2010/main" val="2496858108"/>
+                <p14:modId xmlns:p14="http://schemas.microsoft.com/office/powerpoint/2010/main" val="3892772689"/>
               </p:ext>
             </p:extLst>
           </p:nvPr>
@@ -48692,7 +48692,7 @@
             </p:custDataLst>
             <p:extLst>
               <p:ext uri="{D42A27DB-BD31-4B8C-83A1-F6EECF244321}">
-                <p14:modId xmlns:p14="http://schemas.microsoft.com/office/powerpoint/2010/main" val="3623489770"/>
+                <p14:modId xmlns:p14="http://schemas.microsoft.com/office/powerpoint/2010/main" val="9115379"/>
               </p:ext>
             </p:extLst>
           </p:nvPr>
@@ -48835,7 +48835,7 @@
             </p:custDataLst>
             <p:extLst>
               <p:ext uri="{D42A27DB-BD31-4B8C-83A1-F6EECF244321}">
-                <p14:modId xmlns:p14="http://schemas.microsoft.com/office/powerpoint/2010/main" val="3054884254"/>
+                <p14:modId xmlns:p14="http://schemas.microsoft.com/office/powerpoint/2010/main" val="993757197"/>
               </p:ext>
             </p:extLst>
           </p:nvPr>
